--- a/L08_API/01_UvodniPrezentace.pptx
+++ b/L08_API/01_UvodniPrezentace.pptx
@@ -216,7 +216,7 @@
           <a:p>
             <a:fld id="{A1B5911F-7C49-4E4E-AF13-219F87B878F4}" type="datetimeFigureOut">
               <a:rPr lang="de-DE" smtClean="0"/>
-              <a:t>19.06.2025</a:t>
+              <a:t>23.07.2025</a:t>
             </a:fld>
             <a:endParaRPr lang="de-DE"/>
           </a:p>
@@ -709,7 +709,7 @@
           <a:p>
             <a:fld id="{422D7498-AF4D-40C9-A69F-B3D88E543B66}" type="datetimeFigureOut">
               <a:rPr lang="de-DE" smtClean="0"/>
-              <a:t>19.06.2025</a:t>
+              <a:t>23.07.2025</a:t>
             </a:fld>
             <a:endParaRPr lang="de-DE"/>
           </a:p>
@@ -917,7 +917,7 @@
           <a:p>
             <a:fld id="{422D7498-AF4D-40C9-A69F-B3D88E543B66}" type="datetimeFigureOut">
               <a:rPr lang="de-DE" smtClean="0"/>
-              <a:t>19.06.2025</a:t>
+              <a:t>23.07.2025</a:t>
             </a:fld>
             <a:endParaRPr lang="de-DE"/>
           </a:p>
@@ -1173,7 +1173,7 @@
           <a:p>
             <a:fld id="{422D7498-AF4D-40C9-A69F-B3D88E543B66}" type="datetimeFigureOut">
               <a:rPr lang="de-DE" smtClean="0"/>
-              <a:t>19.06.2025</a:t>
+              <a:t>23.07.2025</a:t>
             </a:fld>
             <a:endParaRPr lang="de-DE"/>
           </a:p>
@@ -1347,7 +1347,7 @@
           <a:p>
             <a:fld id="{422D7498-AF4D-40C9-A69F-B3D88E543B66}" type="datetimeFigureOut">
               <a:rPr lang="de-DE" smtClean="0"/>
-              <a:t>19.06.2025</a:t>
+              <a:t>23.07.2025</a:t>
             </a:fld>
             <a:endParaRPr lang="de-DE"/>
           </a:p>
@@ -1737,7 +1737,7 @@
           <a:p>
             <a:fld id="{422D7498-AF4D-40C9-A69F-B3D88E543B66}" type="datetimeFigureOut">
               <a:rPr lang="de-DE" smtClean="0"/>
-              <a:t>19.06.2025</a:t>
+              <a:t>23.07.2025</a:t>
             </a:fld>
             <a:endParaRPr lang="de-DE"/>
           </a:p>
@@ -2012,7 +2012,7 @@
           <a:p>
             <a:fld id="{422D7498-AF4D-40C9-A69F-B3D88E543B66}" type="datetimeFigureOut">
               <a:rPr lang="de-DE" smtClean="0"/>
-              <a:t>19.06.2025</a:t>
+              <a:t>23.07.2025</a:t>
             </a:fld>
             <a:endParaRPr lang="de-DE"/>
           </a:p>
@@ -2396,7 +2396,7 @@
           <a:p>
             <a:fld id="{422D7498-AF4D-40C9-A69F-B3D88E543B66}" type="datetimeFigureOut">
               <a:rPr lang="de-DE" smtClean="0"/>
-              <a:t>19.06.2025</a:t>
+              <a:t>23.07.2025</a:t>
             </a:fld>
             <a:endParaRPr lang="de-DE"/>
           </a:p>
@@ -2519,7 +2519,7 @@
           <a:p>
             <a:fld id="{422D7498-AF4D-40C9-A69F-B3D88E543B66}" type="datetimeFigureOut">
               <a:rPr lang="de-DE" smtClean="0"/>
-              <a:t>19.06.2025</a:t>
+              <a:t>23.07.2025</a:t>
             </a:fld>
             <a:endParaRPr lang="de-DE"/>
           </a:p>
@@ -2690,7 +2690,7 @@
           <a:p>
             <a:fld id="{422D7498-AF4D-40C9-A69F-B3D88E543B66}" type="datetimeFigureOut">
               <a:rPr lang="de-DE" smtClean="0"/>
-              <a:t>19.06.2025</a:t>
+              <a:t>23.07.2025</a:t>
             </a:fld>
             <a:endParaRPr lang="de-DE"/>
           </a:p>
@@ -3044,7 +3044,7 @@
           <a:p>
             <a:fld id="{422D7498-AF4D-40C9-A69F-B3D88E543B66}" type="datetimeFigureOut">
               <a:rPr lang="de-DE" smtClean="0"/>
-              <a:t>19.06.2025</a:t>
+              <a:t>23.07.2025</a:t>
             </a:fld>
             <a:endParaRPr lang="de-DE"/>
           </a:p>
@@ -3431,7 +3431,7 @@
           <a:p>
             <a:fld id="{422D7498-AF4D-40C9-A69F-B3D88E543B66}" type="datetimeFigureOut">
               <a:rPr lang="de-DE" smtClean="0"/>
-              <a:t>19.06.2025</a:t>
+              <a:t>23.07.2025</a:t>
             </a:fld>
             <a:endParaRPr lang="de-DE"/>
           </a:p>
@@ -3718,7 +3718,7 @@
           <a:p>
             <a:fld id="{422D7498-AF4D-40C9-A69F-B3D88E543B66}" type="datetimeFigureOut">
               <a:rPr lang="de-DE" smtClean="0"/>
-              <a:t>19.06.2025</a:t>
+              <a:t>23.07.2025</a:t>
             </a:fld>
             <a:endParaRPr lang="de-DE"/>
           </a:p>
@@ -5024,7 +5024,7 @@
             <a:fld id="{6BE09D2B-9502-49EB-9A38-B930AD43DC9A}" type="datetime1">
               <a:rPr lang="de-DE" smtClean="0"/>
               <a:pPr algn="l"/>
-              <a:t>19.06.2025</a:t>
+              <a:t>23.07.2025</a:t>
             </a:fld>
             <a:endParaRPr lang="de-DE" dirty="0"/>
           </a:p>
@@ -6037,7 +6037,7 @@
                   <a:srgbClr val="00B0F0"/>
                 </a:solidFill>
               </a:rPr>
-              <a:t>19:05 – 19:55 Form</a:t>
+              <a:t>19:10 – 19:55 Form</a:t>
             </a:r>
             <a:r>
               <a:rPr lang="cs-CZ" sz="2800" dirty="0" err="1">
@@ -6111,12 +6111,20 @@
               <a:t>:</a:t>
             </a:r>
             <a:r>
-              <a:rPr lang="en-US" sz="2800" dirty="0">
+              <a:rPr lang="de-DE" sz="2800">
                 <a:solidFill>
                   <a:srgbClr val="00B0F0"/>
                 </a:solidFill>
               </a:rPr>
-              <a:t>05</a:t>
+              <a:t>10</a:t>
+            </a:r>
+            <a:r>
+              <a:rPr lang="cs-CZ" sz="2800">
+                <a:solidFill>
+                  <a:srgbClr val="00B0F0"/>
+                </a:solidFill>
+              </a:rPr>
+              <a:t> </a:t>
             </a:r>
             <a:r>
               <a:rPr lang="cs-CZ" sz="2800" dirty="0">
@@ -6124,7 +6132,7 @@
                   <a:srgbClr val="00B0F0"/>
                 </a:solidFill>
               </a:rPr>
-              <a:t> – 21:00 </a:t>
+              <a:t>– 21:00 </a:t>
             </a:r>
             <a:r>
               <a:rPr lang="cs-CZ" sz="2800" dirty="0" err="1">
